--- a/Game_DHBC/Documents/PresentationGameDHBC.pptx
+++ b/Game_DHBC/Documents/PresentationGameDHBC.pptx
@@ -111,6 +111,22 @@
       </a:defRPr>
     </a:lvl9pPr>
   </p:defaultTextStyle>
+  <p:extLst>
+    <p:ext uri="{EFAFB233-063F-42B5-8137-9DF3F51BA10A}">
+      <p15:sldGuideLst xmlns:p15="http://schemas.microsoft.com/office/powerpoint/2012/main">
+        <p15:guide id="1" orient="horz" pos="2160">
+          <p15:clr>
+            <a:srgbClr val="A4A3A4"/>
+          </p15:clr>
+        </p15:guide>
+        <p15:guide id="2" pos="2880">
+          <p15:clr>
+            <a:srgbClr val="A4A3A4"/>
+          </p15:clr>
+        </p15:guide>
+      </p15:sldGuideLst>
+    </p:ext>
+  </p:extLst>
 </p:presentation>
 </file>
 
@@ -257,7 +273,7 @@
           <a:p>
             <a:fld id="{F88941F9-3141-4687-A855-98BFDCEBB43C}" type="datetimeFigureOut">
               <a:rPr lang="en-US" smtClean="0"/>
-              <a:t>7/7/2020</a:t>
+              <a:t>7/8/2020</a:t>
             </a:fld>
             <a:endParaRPr lang="en-US" dirty="0"/>
           </a:p>
@@ -624,7 +640,7 @@
           <a:p>
             <a:fld id="{F88941F9-3141-4687-A855-98BFDCEBB43C}" type="datetimeFigureOut">
               <a:rPr lang="en-US" smtClean="0"/>
-              <a:t>7/7/2020</a:t>
+              <a:t>7/8/2020</a:t>
             </a:fld>
             <a:endParaRPr lang="en-US" dirty="0"/>
           </a:p>
@@ -807,7 +823,7 @@
           <a:p>
             <a:fld id="{F88941F9-3141-4687-A855-98BFDCEBB43C}" type="datetimeFigureOut">
               <a:rPr lang="en-US" smtClean="0"/>
-              <a:t>7/7/2020</a:t>
+              <a:t>7/8/2020</a:t>
             </a:fld>
             <a:endParaRPr lang="en-US" dirty="0"/>
           </a:p>
@@ -1050,7 +1066,7 @@
           <a:p>
             <a:fld id="{F88941F9-3141-4687-A855-98BFDCEBB43C}" type="datetimeFigureOut">
               <a:rPr lang="en-US" smtClean="0"/>
-              <a:t>7/7/2020</a:t>
+              <a:t>7/8/2020</a:t>
             </a:fld>
             <a:endParaRPr lang="en-US" dirty="0"/>
           </a:p>
@@ -1327,7 +1343,7 @@
           <a:p>
             <a:fld id="{F88941F9-3141-4687-A855-98BFDCEBB43C}" type="datetimeFigureOut">
               <a:rPr lang="en-US" smtClean="0"/>
-              <a:t>7/7/2020</a:t>
+              <a:t>7/8/2020</a:t>
             </a:fld>
             <a:endParaRPr lang="en-US" dirty="0"/>
           </a:p>
@@ -1555,7 +1571,7 @@
           <a:p>
             <a:fld id="{F88941F9-3141-4687-A855-98BFDCEBB43C}" type="datetimeFigureOut">
               <a:rPr lang="en-US" smtClean="0"/>
-              <a:t>7/7/2020</a:t>
+              <a:t>7/8/2020</a:t>
             </a:fld>
             <a:endParaRPr lang="en-US" dirty="0"/>
           </a:p>
@@ -1915,7 +1931,7 @@
           <a:p>
             <a:fld id="{F88941F9-3141-4687-A855-98BFDCEBB43C}" type="datetimeFigureOut">
               <a:rPr lang="en-US" smtClean="0"/>
-              <a:t>7/7/2020</a:t>
+              <a:t>7/8/2020</a:t>
             </a:fld>
             <a:endParaRPr lang="en-US" dirty="0"/>
           </a:p>
@@ -2155,7 +2171,7 @@
           <a:p>
             <a:fld id="{F88941F9-3141-4687-A855-98BFDCEBB43C}" type="datetimeFigureOut">
               <a:rPr lang="en-US" smtClean="0"/>
-              <a:t>7/7/2020</a:t>
+              <a:t>7/8/2020</a:t>
             </a:fld>
             <a:endParaRPr lang="en-US" dirty="0"/>
           </a:p>
@@ -2303,7 +2319,7 @@
           <a:p>
             <a:fld id="{F88941F9-3141-4687-A855-98BFDCEBB43C}" type="datetimeFigureOut">
               <a:rPr lang="en-US" smtClean="0"/>
-              <a:t>7/7/2020</a:t>
+              <a:t>7/8/2020</a:t>
             </a:fld>
             <a:endParaRPr lang="en-US" dirty="0"/>
           </a:p>
@@ -2588,7 +2604,7 @@
           <a:p>
             <a:fld id="{F88941F9-3141-4687-A855-98BFDCEBB43C}" type="datetimeFigureOut">
               <a:rPr lang="en-US" smtClean="0"/>
-              <a:t>7/7/2020</a:t>
+              <a:t>7/8/2020</a:t>
             </a:fld>
             <a:endParaRPr lang="en-US" dirty="0"/>
           </a:p>
@@ -3003,7 +3019,7 @@
           <a:p>
             <a:fld id="{F88941F9-3141-4687-A855-98BFDCEBB43C}" type="datetimeFigureOut">
               <a:rPr lang="en-US" smtClean="0"/>
-              <a:t>7/7/2020</a:t>
+              <a:t>7/8/2020</a:t>
             </a:fld>
             <a:endParaRPr lang="en-US" dirty="0"/>
           </a:p>
@@ -3349,7 +3365,7 @@
           <a:p>
             <a:fld id="{F88941F9-3141-4687-A855-98BFDCEBB43C}" type="datetimeFigureOut">
               <a:rPr lang="en-US" smtClean="0"/>
-              <a:t>7/7/2020</a:t>
+              <a:t>7/8/2020</a:t>
             </a:fld>
             <a:endParaRPr lang="en-US" dirty="0"/>
           </a:p>
@@ -4268,9 +4284,27 @@
                 <a:tableStyleId>{5C22544A-7EE6-4342-B048-85BDC9FD1C3A}</a:tableStyleId>
               </a:tblPr>
               <a:tblGrid>
-                <a:gridCol w="1374687"/>
-                <a:gridCol w="2178584"/>
-                <a:gridCol w="1391455"/>
+                <a:gridCol w="1374687">
+                  <a:extLst>
+                    <a:ext uri="{9D8B030D-6E8A-4147-A177-3AD203B41FA5}">
+                      <a16:colId xmlns:a16="http://schemas.microsoft.com/office/drawing/2014/main" val="20000"/>
+                    </a:ext>
+                  </a:extLst>
+                </a:gridCol>
+                <a:gridCol w="2178584">
+                  <a:extLst>
+                    <a:ext uri="{9D8B030D-6E8A-4147-A177-3AD203B41FA5}">
+                      <a16:colId xmlns:a16="http://schemas.microsoft.com/office/drawing/2014/main" val="20001"/>
+                    </a:ext>
+                  </a:extLst>
+                </a:gridCol>
+                <a:gridCol w="1391455">
+                  <a:extLst>
+                    <a:ext uri="{9D8B030D-6E8A-4147-A177-3AD203B41FA5}">
+                      <a16:colId xmlns:a16="http://schemas.microsoft.com/office/drawing/2014/main" val="20002"/>
+                    </a:ext>
+                  </a:extLst>
+                </a:gridCol>
               </a:tblGrid>
               <a:tr h="307353">
                 <a:tc>
@@ -4361,6 +4395,11 @@
                   </a:txBody>
                   <a:tcPr/>
                 </a:tc>
+                <a:extLst>
+                  <a:ext uri="{0D108BD9-81ED-4DB2-BD59-A6C34878D82A}">
+                    <a16:rowId xmlns:a16="http://schemas.microsoft.com/office/drawing/2014/main" val="10000"/>
+                  </a:ext>
+                </a:extLst>
               </a:tr>
               <a:tr h="307353">
                 <a:tc>
@@ -4454,6 +4493,11 @@
                   </a:txBody>
                   <a:tcPr/>
                 </a:tc>
+                <a:extLst>
+                  <a:ext uri="{0D108BD9-81ED-4DB2-BD59-A6C34878D82A}">
+                    <a16:rowId xmlns:a16="http://schemas.microsoft.com/office/drawing/2014/main" val="10001"/>
+                  </a:ext>
+                </a:extLst>
               </a:tr>
               <a:tr h="307353">
                 <a:tc>
@@ -4576,6 +4620,11 @@
                   </a:txBody>
                   <a:tcPr/>
                 </a:tc>
+                <a:extLst>
+                  <a:ext uri="{0D108BD9-81ED-4DB2-BD59-A6C34878D82A}">
+                    <a16:rowId xmlns:a16="http://schemas.microsoft.com/office/drawing/2014/main" val="10002"/>
+                  </a:ext>
+                </a:extLst>
               </a:tr>
               <a:tr h="307353">
                 <a:tc>
@@ -4687,6 +4736,11 @@
                   </a:txBody>
                   <a:tcPr/>
                 </a:tc>
+                <a:extLst>
+                  <a:ext uri="{0D108BD9-81ED-4DB2-BD59-A6C34878D82A}">
+                    <a16:rowId xmlns:a16="http://schemas.microsoft.com/office/drawing/2014/main" val="10003"/>
+                  </a:ext>
+                </a:extLst>
               </a:tr>
               <a:tr h="307353">
                 <a:tc>
@@ -4798,6 +4852,11 @@
                   </a:txBody>
                   <a:tcPr marL="68580" marR="68580" marT="0" marB="0" anchor="ctr"/>
                 </a:tc>
+                <a:extLst>
+                  <a:ext uri="{0D108BD9-81ED-4DB2-BD59-A6C34878D82A}">
+                    <a16:rowId xmlns:a16="http://schemas.microsoft.com/office/drawing/2014/main" val="10004"/>
+                  </a:ext>
+                </a:extLst>
               </a:tr>
               <a:tr h="368809">
                 <a:tc>
@@ -4923,6 +4982,11 @@
                     </a:solidFill>
                   </a:tcPr>
                 </a:tc>
+                <a:extLst>
+                  <a:ext uri="{0D108BD9-81ED-4DB2-BD59-A6C34878D82A}">
+                    <a16:rowId xmlns:a16="http://schemas.microsoft.com/office/drawing/2014/main" val="10005"/>
+                  </a:ext>
+                </a:extLst>
               </a:tr>
               <a:tr h="307353">
                 <a:tc>
@@ -5034,6 +5098,11 @@
                   </a:txBody>
                   <a:tcPr marL="68580" marR="68580" marT="0" marB="0" anchor="ctr"/>
                 </a:tc>
+                <a:extLst>
+                  <a:ext uri="{0D108BD9-81ED-4DB2-BD59-A6C34878D82A}">
+                    <a16:rowId xmlns:a16="http://schemas.microsoft.com/office/drawing/2014/main" val="10006"/>
+                  </a:ext>
+                </a:extLst>
               </a:tr>
               <a:tr h="307353">
                 <a:tc>
@@ -5159,6 +5228,11 @@
                     </a:solidFill>
                   </a:tcPr>
                 </a:tc>
+                <a:extLst>
+                  <a:ext uri="{0D108BD9-81ED-4DB2-BD59-A6C34878D82A}">
+                    <a16:rowId xmlns:a16="http://schemas.microsoft.com/office/drawing/2014/main" val="10007"/>
+                  </a:ext>
+                </a:extLst>
               </a:tr>
             </a:tbl>
           </a:graphicData>
@@ -8479,7 +8553,6 @@
               <a:rPr lang="vi-VN" dirty="0" smtClean="0"/>
               <a:t>Java SE 8.0</a:t>
             </a:r>
-            <a:endParaRPr lang="vi-VN" dirty="0" smtClean="0"/>
           </a:p>
           <a:p>
             <a:pPr marL="285750" indent="-285750">
@@ -9260,55 +9333,7 @@
                   </a:outerShdw>
                 </a:effectLst>
               </a:rPr>
-              <a:t>Sơ đồ quan </a:t>
-            </a:r>
-            <a:r>
-              <a:rPr lang="vi-VN" sz="4800" b="1" cap="none" spc="0" dirty="0" smtClean="0">
-                <a:ln w="11430"/>
-                <a:gradFill>
-                  <a:gsLst>
-                    <a:gs pos="0">
-                      <a:schemeClr val="accent6">
-                        <a:tint val="90000"/>
-                        <a:satMod val="120000"/>
-                      </a:schemeClr>
-                    </a:gs>
-                    <a:gs pos="25000">
-                      <a:schemeClr val="accent6">
-                        <a:tint val="93000"/>
-                        <a:satMod val="120000"/>
-                      </a:schemeClr>
-                    </a:gs>
-                    <a:gs pos="50000">
-                      <a:schemeClr val="accent6">
-                        <a:shade val="89000"/>
-                        <a:satMod val="110000"/>
-                      </a:schemeClr>
-                    </a:gs>
-                    <a:gs pos="75000">
-                      <a:schemeClr val="accent6">
-                        <a:tint val="93000"/>
-                        <a:satMod val="120000"/>
-                      </a:schemeClr>
-                    </a:gs>
-                    <a:gs pos="100000">
-                      <a:schemeClr val="accent6">
-                        <a:tint val="90000"/>
-                        <a:satMod val="120000"/>
-                      </a:schemeClr>
-                    </a:gs>
-                  </a:gsLst>
-                  <a:lin ang="5400000"/>
-                </a:gradFill>
-                <a:effectLst>
-                  <a:outerShdw blurRad="80000" dist="40000" dir="5040000" algn="tl">
-                    <a:srgbClr val="000000">
-                      <a:alpha val="30000"/>
-                    </a:srgbClr>
-                  </a:outerShdw>
-                </a:effectLst>
-              </a:rPr>
-              <a:t>hệ dữ liệu</a:t>
+              <a:t>Sơ đồ quan hệ dữ liệu</a:t>
             </a:r>
             <a:endParaRPr lang="en-US" sz="4800" b="1" cap="none" spc="0" dirty="0">
               <a:ln w="11430"/>
@@ -9771,15 +9796,7 @@
             </a:pPr>
             <a:r>
               <a:rPr lang="vi-VN" dirty="0" smtClean="0"/>
-              <a:t>Kho tàng câu </a:t>
-            </a:r>
-            <a:r>
-              <a:rPr lang="vi-VN" dirty="0" smtClean="0"/>
-              <a:t>hỏi </a:t>
-            </a:r>
-            <a:r>
-              <a:rPr lang="vi-VN" dirty="0" smtClean="0"/>
-              <a:t>dễ sáng tạo</a:t>
+              <a:t>Kho tàng câu hỏi dễ sáng tạo</a:t>
             </a:r>
           </a:p>
           <a:p>
@@ -9881,7 +9898,6 @@
               <a:rPr lang="vi-VN" dirty="0" smtClean="0"/>
               <a:t>Chưa có Database Online</a:t>
             </a:r>
-            <a:endParaRPr lang="vi-VN" dirty="0" smtClean="0"/>
           </a:p>
           <a:p>
             <a:pPr marL="285750" indent="-285750">
@@ -10104,14 +10120,14 @@
           <p:nvPr>
             <p:extLst>
               <p:ext uri="{D42A27DB-BD31-4B8C-83A1-F6EECF244321}">
-                <p14:modId xmlns:p14="http://schemas.microsoft.com/office/powerpoint/2010/main" val="4013861805"/>
+                <p14:modId xmlns:p14="http://schemas.microsoft.com/office/powerpoint/2010/main" val="1965629010"/>
               </p:ext>
             </p:extLst>
           </p:nvPr>
         </p:nvGraphicFramePr>
         <p:xfrm>
           <a:off x="1619673" y="1268760"/>
-          <a:ext cx="6192688" cy="4832564"/>
+          <a:ext cx="6192688" cy="4666976"/>
         </p:xfrm>
         <a:graphic>
           <a:graphicData uri="http://schemas.openxmlformats.org/drawingml/2006/table">
@@ -10120,8 +10136,20 @@
                 <a:tableStyleId>{7DF18680-E054-41AD-8BC1-D1AEF772440D}</a:tableStyleId>
               </a:tblPr>
               <a:tblGrid>
-                <a:gridCol w="2736303"/>
-                <a:gridCol w="3456385"/>
+                <a:gridCol w="2736303">
+                  <a:extLst>
+                    <a:ext uri="{9D8B030D-6E8A-4147-A177-3AD203B41FA5}">
+                      <a16:colId xmlns:a16="http://schemas.microsoft.com/office/drawing/2014/main" val="20000"/>
+                    </a:ext>
+                  </a:extLst>
+                </a:gridCol>
+                <a:gridCol w="3456385">
+                  <a:extLst>
+                    <a:ext uri="{9D8B030D-6E8A-4147-A177-3AD203B41FA5}">
+                      <a16:colId xmlns:a16="http://schemas.microsoft.com/office/drawing/2014/main" val="20001"/>
+                    </a:ext>
+                  </a:extLst>
+                </a:gridCol>
               </a:tblGrid>
               <a:tr h="328868">
                 <a:tc>
@@ -10161,6 +10189,11 @@
                   </a:txBody>
                   <a:tcPr/>
                 </a:tc>
+                <a:extLst>
+                  <a:ext uri="{0D108BD9-81ED-4DB2-BD59-A6C34878D82A}">
+                    <a16:rowId xmlns:a16="http://schemas.microsoft.com/office/drawing/2014/main" val="10000"/>
+                  </a:ext>
+                </a:extLst>
               </a:tr>
               <a:tr h="1297452">
                 <a:tc>
@@ -10355,18 +10388,10 @@
                       </a:r>
                     </a:p>
                     <a:p>
-                      <a:r>
-                        <a:rPr kumimoji="0" lang="en-US" sz="1800" kern="1200" dirty="0" smtClean="0">
-                          <a:solidFill>
-                            <a:schemeClr val="dk1"/>
-                          </a:solidFill>
-                          <a:effectLst/>
-                          <a:latin typeface="+mn-lt"/>
-                          <a:ea typeface="+mn-ea"/>
-                          <a:cs typeface="+mn-cs"/>
-                        </a:rPr>
-                        <a:t>- </a:t>
-                      </a:r>
+                      <a:pPr marL="285750" indent="-285750">
+                        <a:buFontTx/>
+                        <a:buChar char="-"/>
+                      </a:pPr>
                       <a:r>
                         <a:rPr kumimoji="0" lang="en-US" sz="1800" kern="1200" dirty="0" err="1" smtClean="0">
                           <a:solidFill>
@@ -10462,89 +10487,10 @@
                       </a:endParaRPr>
                     </a:p>
                     <a:p>
-                      <a:r>
-                        <a:rPr kumimoji="0" lang="en-US" sz="1800" kern="1200" dirty="0" smtClean="0">
-                          <a:solidFill>
-                            <a:schemeClr val="dk1"/>
-                          </a:solidFill>
-                          <a:effectLst/>
-                          <a:latin typeface="+mn-lt"/>
-                          <a:ea typeface="+mn-ea"/>
-                          <a:cs typeface="+mn-cs"/>
-                        </a:rPr>
-                        <a:t>- </a:t>
-                      </a:r>
-                      <a:r>
-                        <a:rPr kumimoji="0" lang="en-US" sz="1800" kern="1200" dirty="0" err="1" smtClean="0">
-                          <a:solidFill>
-                            <a:schemeClr val="dk1"/>
-                          </a:solidFill>
-                          <a:effectLst/>
-                          <a:latin typeface="+mn-lt"/>
-                          <a:ea typeface="+mn-ea"/>
-                          <a:cs typeface="+mn-cs"/>
-                        </a:rPr>
-                        <a:t>Trang</a:t>
-                      </a:r>
-                      <a:r>
-                        <a:rPr kumimoji="0" lang="en-US" sz="1800" kern="1200" dirty="0" smtClean="0">
-                          <a:solidFill>
-                            <a:schemeClr val="dk1"/>
-                          </a:solidFill>
-                          <a:effectLst/>
-                          <a:latin typeface="+mn-lt"/>
-                          <a:ea typeface="+mn-ea"/>
-                          <a:cs typeface="+mn-cs"/>
-                        </a:rPr>
-                        <a:t> </a:t>
-                      </a:r>
-                      <a:r>
-                        <a:rPr kumimoji="0" lang="en-US" sz="1800" kern="1200" dirty="0" err="1" smtClean="0">
-                          <a:solidFill>
-                            <a:schemeClr val="dk1"/>
-                          </a:solidFill>
-                          <a:effectLst/>
-                          <a:latin typeface="+mn-lt"/>
-                          <a:ea typeface="+mn-ea"/>
-                          <a:cs typeface="+mn-cs"/>
-                        </a:rPr>
-                        <a:t>cài</a:t>
-                      </a:r>
-                      <a:r>
-                        <a:rPr kumimoji="0" lang="en-US" sz="1800" kern="1200" dirty="0" smtClean="0">
-                          <a:solidFill>
-                            <a:schemeClr val="dk1"/>
-                          </a:solidFill>
-                          <a:effectLst/>
-                          <a:latin typeface="+mn-lt"/>
-                          <a:ea typeface="+mn-ea"/>
-                          <a:cs typeface="+mn-cs"/>
-                        </a:rPr>
-                        <a:t> </a:t>
-                      </a:r>
-                      <a:r>
-                        <a:rPr kumimoji="0" lang="en-US" sz="1800" kern="1200" dirty="0" err="1" smtClean="0">
-                          <a:solidFill>
-                            <a:schemeClr val="dk1"/>
-                          </a:solidFill>
-                          <a:effectLst/>
-                          <a:latin typeface="+mn-lt"/>
-                          <a:ea typeface="+mn-ea"/>
-                          <a:cs typeface="+mn-cs"/>
-                        </a:rPr>
-                        <a:t>đặt</a:t>
-                      </a:r>
-                      <a:endParaRPr kumimoji="0" lang="en-US" sz="1800" kern="1200" dirty="0" smtClean="0">
-                        <a:solidFill>
-                          <a:schemeClr val="dk1"/>
-                        </a:solidFill>
-                        <a:effectLst/>
-                        <a:latin typeface="+mn-lt"/>
-                        <a:ea typeface="+mn-ea"/>
-                        <a:cs typeface="+mn-cs"/>
-                      </a:endParaRPr>
-                    </a:p>
-                    <a:p>
+                      <a:pPr marL="0" indent="0">
+                        <a:buFontTx/>
+                        <a:buNone/>
+                      </a:pPr>
                       <a:r>
                         <a:rPr kumimoji="0" lang="en-US" sz="1800" kern="1200" dirty="0" smtClean="0">
                           <a:solidFill>
@@ -10646,6 +10592,11 @@
                   </a:txBody>
                   <a:tcPr/>
                 </a:tc>
+                <a:extLst>
+                  <a:ext uri="{0D108BD9-81ED-4DB2-BD59-A6C34878D82A}">
+                    <a16:rowId xmlns:a16="http://schemas.microsoft.com/office/drawing/2014/main" val="10001"/>
+                  </a:ext>
+                </a:extLst>
               </a:tr>
               <a:tr h="1540724">
                 <a:tc>
@@ -11304,6 +11255,11 @@
                   </a:txBody>
                   <a:tcPr/>
                 </a:tc>
+                <a:extLst>
+                  <a:ext uri="{0D108BD9-81ED-4DB2-BD59-A6C34878D82A}">
+                    <a16:rowId xmlns:a16="http://schemas.microsoft.com/office/drawing/2014/main" val="10002"/>
+                  </a:ext>
+                </a:extLst>
               </a:tr>
               <a:tr h="1297452">
                 <a:tc>
@@ -11789,6 +11745,11 @@
                   </a:txBody>
                   <a:tcPr/>
                 </a:tc>
+                <a:extLst>
+                  <a:ext uri="{0D108BD9-81ED-4DB2-BD59-A6C34878D82A}">
+                    <a16:rowId xmlns:a16="http://schemas.microsoft.com/office/drawing/2014/main" val="10003"/>
+                  </a:ext>
+                </a:extLst>
               </a:tr>
             </a:tbl>
           </a:graphicData>
